--- a/ICS26011_-_Delubyocation.pptx
+++ b/ICS26011_-_Delubyocation.pptx
@@ -17,10 +17,9 @@
     <p:sldId id="265" r:id="rId11"/>
     <p:sldId id="266" r:id="rId12"/>
     <p:sldId id="264" r:id="rId13"/>
-    <p:sldId id="267" r:id="rId14"/>
-    <p:sldId id="270" r:id="rId15"/>
-    <p:sldId id="271" r:id="rId16"/>
-    <p:sldId id="269" r:id="rId17"/>
+    <p:sldId id="270" r:id="rId14"/>
+    <p:sldId id="271" r:id="rId15"/>
+    <p:sldId id="269" r:id="rId16"/>
   </p:sldIdLst>
   <p:sldSz cx="12192000" cy="6858000"/>
   <p:notesSz cx="6858000" cy="9144000"/>
@@ -274,7 +273,7 @@
           <a:p>
             <a:fld id="{93D9E8B1-4CC9-493A-AD96-D95B237A43F0}" type="datetimeFigureOut">
               <a:rPr lang="en-US" smtClean="0"/>
-              <a:t>10/31/2020</a:t>
+              <a:t>12/4/2020</a:t>
             </a:fld>
             <a:endParaRPr lang="en-US"/>
           </a:p>
@@ -472,7 +471,7 @@
           <a:p>
             <a:fld id="{93D9E8B1-4CC9-493A-AD96-D95B237A43F0}" type="datetimeFigureOut">
               <a:rPr lang="en-US" smtClean="0"/>
-              <a:t>10/31/2020</a:t>
+              <a:t>12/4/2020</a:t>
             </a:fld>
             <a:endParaRPr lang="en-US"/>
           </a:p>
@@ -680,7 +679,7 @@
           <a:p>
             <a:fld id="{93D9E8B1-4CC9-493A-AD96-D95B237A43F0}" type="datetimeFigureOut">
               <a:rPr lang="en-US" smtClean="0"/>
-              <a:t>10/31/2020</a:t>
+              <a:t>12/4/2020</a:t>
             </a:fld>
             <a:endParaRPr lang="en-US"/>
           </a:p>
@@ -878,7 +877,7 @@
           <a:p>
             <a:fld id="{93D9E8B1-4CC9-493A-AD96-D95B237A43F0}" type="datetimeFigureOut">
               <a:rPr lang="en-US" smtClean="0"/>
-              <a:t>10/31/2020</a:t>
+              <a:t>12/4/2020</a:t>
             </a:fld>
             <a:endParaRPr lang="en-US"/>
           </a:p>
@@ -1153,7 +1152,7 @@
           <a:p>
             <a:fld id="{93D9E8B1-4CC9-493A-AD96-D95B237A43F0}" type="datetimeFigureOut">
               <a:rPr lang="en-US" smtClean="0"/>
-              <a:t>10/31/2020</a:t>
+              <a:t>12/4/2020</a:t>
             </a:fld>
             <a:endParaRPr lang="en-US"/>
           </a:p>
@@ -1418,7 +1417,7 @@
           <a:p>
             <a:fld id="{93D9E8B1-4CC9-493A-AD96-D95B237A43F0}" type="datetimeFigureOut">
               <a:rPr lang="en-US" smtClean="0"/>
-              <a:t>10/31/2020</a:t>
+              <a:t>12/4/2020</a:t>
             </a:fld>
             <a:endParaRPr lang="en-US"/>
           </a:p>
@@ -1830,7 +1829,7 @@
           <a:p>
             <a:fld id="{93D9E8B1-4CC9-493A-AD96-D95B237A43F0}" type="datetimeFigureOut">
               <a:rPr lang="en-US" smtClean="0"/>
-              <a:t>10/31/2020</a:t>
+              <a:t>12/4/2020</a:t>
             </a:fld>
             <a:endParaRPr lang="en-US"/>
           </a:p>
@@ -1971,7 +1970,7 @@
           <a:p>
             <a:fld id="{93D9E8B1-4CC9-493A-AD96-D95B237A43F0}" type="datetimeFigureOut">
               <a:rPr lang="en-US" smtClean="0"/>
-              <a:t>10/31/2020</a:t>
+              <a:t>12/4/2020</a:t>
             </a:fld>
             <a:endParaRPr lang="en-US"/>
           </a:p>
@@ -2084,7 +2083,7 @@
           <a:p>
             <a:fld id="{93D9E8B1-4CC9-493A-AD96-D95B237A43F0}" type="datetimeFigureOut">
               <a:rPr lang="en-US" smtClean="0"/>
-              <a:t>10/31/2020</a:t>
+              <a:t>12/4/2020</a:t>
             </a:fld>
             <a:endParaRPr lang="en-US"/>
           </a:p>
@@ -2395,7 +2394,7 @@
           <a:p>
             <a:fld id="{93D9E8B1-4CC9-493A-AD96-D95B237A43F0}" type="datetimeFigureOut">
               <a:rPr lang="en-US" smtClean="0"/>
-              <a:t>10/31/2020</a:t>
+              <a:t>12/4/2020</a:t>
             </a:fld>
             <a:endParaRPr lang="en-US"/>
           </a:p>
@@ -2683,7 +2682,7 @@
           <a:p>
             <a:fld id="{93D9E8B1-4CC9-493A-AD96-D95B237A43F0}" type="datetimeFigureOut">
               <a:rPr lang="en-US" smtClean="0"/>
-              <a:t>10/31/2020</a:t>
+              <a:t>12/4/2020</a:t>
             </a:fld>
             <a:endParaRPr lang="en-US"/>
           </a:p>
@@ -2924,7 +2923,7 @@
           <a:p>
             <a:fld id="{93D9E8B1-4CC9-493A-AD96-D95B237A43F0}" type="datetimeFigureOut">
               <a:rPr lang="en-US" smtClean="0"/>
-              <a:t>10/31/2020</a:t>
+              <a:t>12/4/2020</a:t>
             </a:fld>
             <a:endParaRPr lang="en-US"/>
           </a:p>
@@ -3613,10 +3612,10 @@
       </p:grpSpPr>
       <p:pic>
         <p:nvPicPr>
-          <p:cNvPr id="5" name="Picture 4">
-            <a:extLst>
-              <a:ext uri="{FF2B5EF4-FFF2-40B4-BE49-F238E27FC236}">
-                <a16:creationId xmlns:a16="http://schemas.microsoft.com/office/drawing/2014/main" id="{5FCFFD68-4A64-4616-85CD-CF741826FEB9}"/>
+          <p:cNvPr id="2" name="Picture 1">
+            <a:extLst>
+              <a:ext uri="{FF2B5EF4-FFF2-40B4-BE49-F238E27FC236}">
+                <a16:creationId xmlns:a16="http://schemas.microsoft.com/office/drawing/2014/main" id="{7CBFC765-631E-4AD0-BF2D-38D572DA75AF}"/>
               </a:ext>
             </a:extLst>
           </p:cNvPr>
@@ -3633,8 +3632,92 @@
         </p:blipFill>
         <p:spPr>
           <a:xfrm>
-            <a:off x="1973164" y="149849"/>
-            <a:ext cx="8245671" cy="6558301"/>
+            <a:off x="112424" y="306928"/>
+            <a:ext cx="6125153" cy="5913942"/>
+          </a:xfrm>
+          <a:prstGeom prst="rect">
+            <a:avLst/>
+          </a:prstGeom>
+        </p:spPr>
+      </p:pic>
+      <p:sp>
+        <p:nvSpPr>
+          <p:cNvPr id="3" name="Rectangle 2">
+            <a:extLst>
+              <a:ext uri="{FF2B5EF4-FFF2-40B4-BE49-F238E27FC236}">
+                <a16:creationId xmlns:a16="http://schemas.microsoft.com/office/drawing/2014/main" id="{1C3F0ABD-597F-471C-8E18-D1E0DA82FD9A}"/>
+              </a:ext>
+            </a:extLst>
+          </p:cNvPr>
+          <p:cNvSpPr/>
+          <p:nvPr/>
+        </p:nvSpPr>
+        <p:spPr>
+          <a:xfrm>
+            <a:off x="165100" y="5600700"/>
+            <a:ext cx="2844800" cy="825500"/>
+          </a:xfrm>
+          <a:prstGeom prst="rect">
+            <a:avLst/>
+          </a:prstGeom>
+          <a:solidFill>
+            <a:srgbClr val="EEEEEE"/>
+          </a:solidFill>
+          <a:ln>
+            <a:solidFill>
+              <a:srgbClr val="EEEEEE"/>
+            </a:solidFill>
+          </a:ln>
+        </p:spPr>
+        <p:style>
+          <a:lnRef idx="2">
+            <a:schemeClr val="accent1">
+              <a:shade val="50000"/>
+            </a:schemeClr>
+          </a:lnRef>
+          <a:fillRef idx="1">
+            <a:schemeClr val="accent1"/>
+          </a:fillRef>
+          <a:effectRef idx="0">
+            <a:schemeClr val="accent1"/>
+          </a:effectRef>
+          <a:fontRef idx="minor">
+            <a:schemeClr val="lt1"/>
+          </a:fontRef>
+        </p:style>
+        <p:txBody>
+          <a:bodyPr rtlCol="0" anchor="ctr"/>
+          <a:lstStyle/>
+          <a:p>
+            <a:pPr algn="ctr"/>
+            <a:endParaRPr lang="en-US"/>
+          </a:p>
+        </p:txBody>
+      </p:sp>
+      <p:pic>
+        <p:nvPicPr>
+          <p:cNvPr id="4" name="Picture 3">
+            <a:extLst>
+              <a:ext uri="{FF2B5EF4-FFF2-40B4-BE49-F238E27FC236}">
+                <a16:creationId xmlns:a16="http://schemas.microsoft.com/office/drawing/2014/main" id="{CD69E278-2B18-46DD-B1C7-E339D58B6C71}"/>
+              </a:ext>
+            </a:extLst>
+          </p:cNvPr>
+          <p:cNvPicPr>
+            <a:picLocks noChangeAspect="1"/>
+          </p:cNvPicPr>
+          <p:nvPr/>
+        </p:nvPicPr>
+        <p:blipFill>
+          <a:blip r:embed="rId3"/>
+          <a:stretch>
+            <a:fillRect/>
+          </a:stretch>
+        </p:blipFill>
+        <p:spPr>
+          <a:xfrm>
+            <a:off x="6043324" y="812381"/>
+            <a:ext cx="5983576" cy="4903035"/>
           </a:xfrm>
           <a:prstGeom prst="rect">
             <a:avLst/>
@@ -3681,10 +3764,10 @@
       </p:grpSpPr>
       <p:pic>
         <p:nvPicPr>
-          <p:cNvPr id="4" name="Picture 3">
-            <a:extLst>
-              <a:ext uri="{FF2B5EF4-FFF2-40B4-BE49-F238E27FC236}">
-                <a16:creationId xmlns:a16="http://schemas.microsoft.com/office/drawing/2014/main" id="{805D21BE-4B85-418E-8F8F-89EB40EAB275}"/>
+          <p:cNvPr id="2" name="Picture 1">
+            <a:extLst>
+              <a:ext uri="{FF2B5EF4-FFF2-40B4-BE49-F238E27FC236}">
+                <a16:creationId xmlns:a16="http://schemas.microsoft.com/office/drawing/2014/main" id="{C8EAE164-31D7-412B-867C-2042E9424270}"/>
               </a:ext>
             </a:extLst>
           </p:cNvPr>
@@ -3701,8 +3784,8 @@
         </p:blipFill>
         <p:spPr>
           <a:xfrm>
-            <a:off x="1956540" y="154006"/>
-            <a:ext cx="8278919" cy="6549988"/>
+            <a:off x="2183051" y="0"/>
+            <a:ext cx="7825897" cy="6858000"/>
           </a:xfrm>
           <a:prstGeom prst="rect">
             <a:avLst/>
@@ -3747,36 +3830,6 @@
           <a:chExt cx="0" cy="0"/>
         </a:xfrm>
       </p:grpSpPr>
-      <p:pic>
-        <p:nvPicPr>
-          <p:cNvPr id="4" name="Picture 3">
-            <a:extLst>
-              <a:ext uri="{FF2B5EF4-FFF2-40B4-BE49-F238E27FC236}">
-                <a16:creationId xmlns:a16="http://schemas.microsoft.com/office/drawing/2014/main" id="{F0FA1829-B40B-4D70-A2CA-BE51864A02C8}"/>
-              </a:ext>
-            </a:extLst>
-          </p:cNvPr>
-          <p:cNvPicPr>
-            <a:picLocks noChangeAspect="1"/>
-          </p:cNvPicPr>
-          <p:nvPr/>
-        </p:nvPicPr>
-        <p:blipFill>
-          <a:blip r:embed="rId2"/>
-          <a:stretch>
-            <a:fillRect/>
-          </a:stretch>
-        </p:blipFill>
-        <p:spPr>
-          <a:xfrm>
-            <a:off x="-28646" y="519740"/>
-            <a:ext cx="6483491" cy="5818518"/>
-          </a:xfrm>
-          <a:prstGeom prst="rect">
-            <a:avLst/>
-          </a:prstGeom>
-        </p:spPr>
-      </p:pic>
       <p:sp>
         <p:nvSpPr>
           <p:cNvPr id="5" name="Rectangle 4">
@@ -3831,10 +3884,10 @@
       </p:sp>
       <p:pic>
         <p:nvPicPr>
-          <p:cNvPr id="6" name="Picture 5">
-            <a:extLst>
-              <a:ext uri="{FF2B5EF4-FFF2-40B4-BE49-F238E27FC236}">
-                <a16:creationId xmlns:a16="http://schemas.microsoft.com/office/drawing/2014/main" id="{583AEDBE-56B0-4BD1-9262-5F204DA5874D}"/>
+          <p:cNvPr id="3" name="Picture 2">
+            <a:extLst>
+              <a:ext uri="{FF2B5EF4-FFF2-40B4-BE49-F238E27FC236}">
+                <a16:creationId xmlns:a16="http://schemas.microsoft.com/office/drawing/2014/main" id="{83FAD152-72B7-42CB-9730-5AA16415F77B}"/>
               </a:ext>
             </a:extLst>
           </p:cNvPr>
@@ -3843,15 +3896,46 @@
           </p:cNvPicPr>
           <p:nvPr/>
         </p:nvPicPr>
-        <p:blipFill rotWithShape="1">
-          <a:blip r:embed="rId3"/>
-          <a:srcRect l="11061"/>
-          <a:stretch/>
+        <p:blipFill>
+          <a:blip r:embed="rId2"/>
+          <a:stretch>
+            <a:fillRect/>
+          </a:stretch>
         </p:blipFill>
         <p:spPr>
           <a:xfrm>
-            <a:off x="6297917" y="361053"/>
-            <a:ext cx="5894083" cy="5977205"/>
+            <a:off x="2272403" y="104133"/>
+            <a:ext cx="3823597" cy="6649734"/>
+          </a:xfrm>
+          <a:prstGeom prst="rect">
+            <a:avLst/>
+          </a:prstGeom>
+        </p:spPr>
+      </p:pic>
+      <p:pic>
+        <p:nvPicPr>
+          <p:cNvPr id="7" name="Picture 6">
+            <a:extLst>
+              <a:ext uri="{FF2B5EF4-FFF2-40B4-BE49-F238E27FC236}">
+                <a16:creationId xmlns:a16="http://schemas.microsoft.com/office/drawing/2014/main" id="{34C1135D-EA72-4095-A510-A7A64C250A69}"/>
+              </a:ext>
+            </a:extLst>
+          </p:cNvPr>
+          <p:cNvPicPr>
+            <a:picLocks noChangeAspect="1"/>
+          </p:cNvPicPr>
+          <p:nvPr/>
+        </p:nvPicPr>
+        <p:blipFill>
+          <a:blip r:embed="rId3"/>
+          <a:stretch>
+            <a:fillRect/>
+          </a:stretch>
+        </p:blipFill>
+        <p:spPr>
+          <a:xfrm>
+            <a:off x="6829478" y="-62342"/>
+            <a:ext cx="3308243" cy="6774417"/>
           </a:xfrm>
           <a:prstGeom prst="rect">
             <a:avLst/>
@@ -3872,104 +3956,6 @@
 </file>
 
 <file path=ppt/slides/slide13.xml><?xml version="1.0" encoding="utf-8"?>
-<p:sld xmlns:a="http://schemas.openxmlformats.org/drawingml/2006/main" xmlns:r="http://schemas.openxmlformats.org/officeDocument/2006/relationships" xmlns:p="http://schemas.openxmlformats.org/presentationml/2006/main">
-  <p:cSld>
-    <p:bg>
-      <p:bgPr>
-        <a:solidFill>
-          <a:srgbClr val="EEEEEE"/>
-        </a:solidFill>
-        <a:effectLst/>
-      </p:bgPr>
-    </p:bg>
-    <p:spTree>
-      <p:nvGrpSpPr>
-        <p:cNvPr id="1" name=""/>
-        <p:cNvGrpSpPr/>
-        <p:nvPr/>
-      </p:nvGrpSpPr>
-      <p:grpSpPr>
-        <a:xfrm>
-          <a:off x="0" y="0"/>
-          <a:ext cx="0" cy="0"/>
-          <a:chOff x="0" y="0"/>
-          <a:chExt cx="0" cy="0"/>
-        </a:xfrm>
-      </p:grpSpPr>
-      <p:pic>
-        <p:nvPicPr>
-          <p:cNvPr id="4" name="Picture 3">
-            <a:extLst>
-              <a:ext uri="{FF2B5EF4-FFF2-40B4-BE49-F238E27FC236}">
-                <a16:creationId xmlns:a16="http://schemas.microsoft.com/office/drawing/2014/main" id="{BA715715-E771-4D3F-9F47-397FCA395565}"/>
-              </a:ext>
-            </a:extLst>
-          </p:cNvPr>
-          <p:cNvPicPr>
-            <a:picLocks noChangeAspect="1"/>
-          </p:cNvPicPr>
-          <p:nvPr/>
-        </p:nvPicPr>
-        <p:blipFill>
-          <a:blip r:embed="rId2"/>
-          <a:stretch>
-            <a:fillRect/>
-          </a:stretch>
-        </p:blipFill>
-        <p:spPr>
-          <a:xfrm>
-            <a:off x="1785740" y="483958"/>
-            <a:ext cx="3565920" cy="6067883"/>
-          </a:xfrm>
-          <a:prstGeom prst="rect">
-            <a:avLst/>
-          </a:prstGeom>
-        </p:spPr>
-      </p:pic>
-      <p:pic>
-        <p:nvPicPr>
-          <p:cNvPr id="5" name="Picture 4">
-            <a:extLst>
-              <a:ext uri="{FF2B5EF4-FFF2-40B4-BE49-F238E27FC236}">
-                <a16:creationId xmlns:a16="http://schemas.microsoft.com/office/drawing/2014/main" id="{040A1E51-77E5-459F-9519-723AD112AEDC}"/>
-              </a:ext>
-            </a:extLst>
-          </p:cNvPr>
-          <p:cNvPicPr>
-            <a:picLocks noChangeAspect="1"/>
-          </p:cNvPicPr>
-          <p:nvPr/>
-        </p:nvPicPr>
-        <p:blipFill>
-          <a:blip r:embed="rId3"/>
-          <a:stretch>
-            <a:fillRect/>
-          </a:stretch>
-        </p:blipFill>
-        <p:spPr>
-          <a:xfrm>
-            <a:off x="6680307" y="357654"/>
-            <a:ext cx="3200185" cy="6142692"/>
-          </a:xfrm>
-          <a:prstGeom prst="rect">
-            <a:avLst/>
-          </a:prstGeom>
-        </p:spPr>
-      </p:pic>
-    </p:spTree>
-    <p:extLst>
-      <p:ext uri="{BB962C8B-B14F-4D97-AF65-F5344CB8AC3E}">
-        <p14:creationId xmlns:p14="http://schemas.microsoft.com/office/powerpoint/2010/main" val="1296420425"/>
-      </p:ext>
-    </p:extLst>
-  </p:cSld>
-  <p:clrMapOvr>
-    <a:masterClrMapping/>
-  </p:clrMapOvr>
-</p:sld>
-</file>
-
-<file path=ppt/slides/slide14.xml><?xml version="1.0" encoding="utf-8"?>
 <p:sld xmlns:a="http://schemas.openxmlformats.org/drawingml/2006/main" xmlns:r="http://schemas.openxmlformats.org/officeDocument/2006/relationships" xmlns:p="http://schemas.openxmlformats.org/presentationml/2006/main">
   <p:cSld>
     <p:spTree>
@@ -5033,7 +5019,7 @@
 </p:sld>
 </file>
 
-<file path=ppt/slides/slide15.xml><?xml version="1.0" encoding="utf-8"?>
+<file path=ppt/slides/slide14.xml><?xml version="1.0" encoding="utf-8"?>
 <p:sld xmlns:a="http://schemas.openxmlformats.org/drawingml/2006/main" xmlns:r="http://schemas.openxmlformats.org/officeDocument/2006/relationships" xmlns:p="http://schemas.openxmlformats.org/presentationml/2006/main">
   <p:cSld>
     <p:bg>
@@ -5143,7 +5129,7 @@
 </p:sld>
 </file>
 
-<file path=ppt/slides/slide16.xml><?xml version="1.0" encoding="utf-8"?>
+<file path=ppt/slides/slide15.xml><?xml version="1.0" encoding="utf-8"?>
 <p:sld xmlns:a="http://schemas.openxmlformats.org/drawingml/2006/main" xmlns:r="http://schemas.openxmlformats.org/officeDocument/2006/relationships" xmlns:p="http://schemas.openxmlformats.org/presentationml/2006/main">
   <p:cSld>
     <p:spTree>
@@ -5317,10 +5303,10 @@
       </p:sp>
       <p:pic>
         <p:nvPicPr>
-          <p:cNvPr id="6" name="Picture 5">
-            <a:extLst>
-              <a:ext uri="{FF2B5EF4-FFF2-40B4-BE49-F238E27FC236}">
-                <a16:creationId xmlns:a16="http://schemas.microsoft.com/office/drawing/2014/main" id="{A45AAF35-FC88-4F4E-9D9C-B83707C50362}"/>
+          <p:cNvPr id="2" name="Picture 1">
+            <a:extLst>
+              <a:ext uri="{FF2B5EF4-FFF2-40B4-BE49-F238E27FC236}">
+                <a16:creationId xmlns:a16="http://schemas.microsoft.com/office/drawing/2014/main" id="{0FD32D2C-8D36-4D51-940A-39EC561F14D6}"/>
               </a:ext>
             </a:extLst>
           </p:cNvPr>
@@ -5337,8 +5323,8 @@
         </p:blipFill>
         <p:spPr>
           <a:xfrm>
-            <a:off x="2089535" y="311937"/>
-            <a:ext cx="8012930" cy="6234126"/>
+            <a:off x="1125323" y="503117"/>
+            <a:ext cx="9941353" cy="5851766"/>
           </a:xfrm>
           <a:prstGeom prst="rect">
             <a:avLst/>
@@ -5385,10 +5371,10 @@
       </p:grpSpPr>
       <p:pic>
         <p:nvPicPr>
-          <p:cNvPr id="4" name="Picture 3">
-            <a:extLst>
-              <a:ext uri="{FF2B5EF4-FFF2-40B4-BE49-F238E27FC236}">
-                <a16:creationId xmlns:a16="http://schemas.microsoft.com/office/drawing/2014/main" id="{1BB10170-343C-4726-9EB8-EDE5AD8F3FD0}"/>
+          <p:cNvPr id="5" name="Picture 4">
+            <a:extLst>
+              <a:ext uri="{FF2B5EF4-FFF2-40B4-BE49-F238E27FC236}">
+                <a16:creationId xmlns:a16="http://schemas.microsoft.com/office/drawing/2014/main" id="{D953B41A-6698-4264-A2AA-9C9B3FFE130C}"/>
               </a:ext>
             </a:extLst>
           </p:cNvPr>
@@ -5405,8 +5391,8 @@
         </p:blipFill>
         <p:spPr>
           <a:xfrm>
-            <a:off x="1158572" y="619487"/>
-            <a:ext cx="9874856" cy="5619026"/>
+            <a:off x="417957" y="1038005"/>
+            <a:ext cx="11356084" cy="4781990"/>
           </a:xfrm>
           <a:prstGeom prst="rect">
             <a:avLst/>
@@ -5453,10 +5439,10 @@
       </p:grpSpPr>
       <p:pic>
         <p:nvPicPr>
-          <p:cNvPr id="4" name="Picture 3">
-            <a:extLst>
-              <a:ext uri="{FF2B5EF4-FFF2-40B4-BE49-F238E27FC236}">
-                <a16:creationId xmlns:a16="http://schemas.microsoft.com/office/drawing/2014/main" id="{84F43D94-0075-4623-A4D7-CC3DCA2C65E0}"/>
+          <p:cNvPr id="2" name="Picture 1">
+            <a:extLst>
+              <a:ext uri="{FF2B5EF4-FFF2-40B4-BE49-F238E27FC236}">
+                <a16:creationId xmlns:a16="http://schemas.microsoft.com/office/drawing/2014/main" id="{859509A0-B424-45E6-9B94-5E948EDF0CAB}"/>
               </a:ext>
             </a:extLst>
           </p:cNvPr>
@@ -5473,8 +5459,8 @@
         </p:blipFill>
         <p:spPr>
           <a:xfrm>
-            <a:off x="1894199" y="274532"/>
-            <a:ext cx="8403602" cy="6308936"/>
+            <a:off x="462660" y="1220872"/>
+            <a:ext cx="11292081" cy="4416255"/>
           </a:xfrm>
           <a:prstGeom prst="rect">
             <a:avLst/>
@@ -5521,10 +5507,10 @@
       </p:grpSpPr>
       <p:pic>
         <p:nvPicPr>
-          <p:cNvPr id="4" name="Picture 3">
-            <a:extLst>
-              <a:ext uri="{FF2B5EF4-FFF2-40B4-BE49-F238E27FC236}">
-                <a16:creationId xmlns:a16="http://schemas.microsoft.com/office/drawing/2014/main" id="{3E7F4C90-5B02-4A61-B5E8-249547299A6E}"/>
+          <p:cNvPr id="2" name="Picture 1">
+            <a:extLst>
+              <a:ext uri="{FF2B5EF4-FFF2-40B4-BE49-F238E27FC236}">
+                <a16:creationId xmlns:a16="http://schemas.microsoft.com/office/drawing/2014/main" id="{5F4CB984-2F2E-4DF0-9D1C-66DE9644AF87}"/>
               </a:ext>
             </a:extLst>
           </p:cNvPr>
@@ -5541,8 +5527,38 @@
         </p:blipFill>
         <p:spPr>
           <a:xfrm>
-            <a:off x="2201749" y="311937"/>
-            <a:ext cx="7788501" cy="6234126"/>
+            <a:off x="480714" y="299468"/>
+            <a:ext cx="5718772" cy="6259063"/>
+          </a:xfrm>
+          <a:prstGeom prst="rect">
+            <a:avLst/>
+          </a:prstGeom>
+        </p:spPr>
+      </p:pic>
+      <p:pic>
+        <p:nvPicPr>
+          <p:cNvPr id="3" name="Picture 2">
+            <a:extLst>
+              <a:ext uri="{FF2B5EF4-FFF2-40B4-BE49-F238E27FC236}">
+                <a16:creationId xmlns:a16="http://schemas.microsoft.com/office/drawing/2014/main" id="{FBF17CB5-F532-4AAE-B241-2CEA9A68E743}"/>
+              </a:ext>
+            </a:extLst>
+          </p:cNvPr>
+          <p:cNvPicPr>
+            <a:picLocks noChangeAspect="1"/>
+          </p:cNvPicPr>
+          <p:nvPr/>
+        </p:nvPicPr>
+        <p:blipFill>
+          <a:blip r:embed="rId3"/>
+          <a:stretch>
+            <a:fillRect/>
+          </a:stretch>
+        </p:blipFill>
+        <p:spPr>
+          <a:xfrm>
+            <a:off x="6199486" y="220502"/>
+            <a:ext cx="5918264" cy="6416994"/>
           </a:xfrm>
           <a:prstGeom prst="rect">
             <a:avLst/>
@@ -5589,10 +5605,10 @@
       </p:grpSpPr>
       <p:pic>
         <p:nvPicPr>
-          <p:cNvPr id="4" name="Picture 3">
-            <a:extLst>
-              <a:ext uri="{FF2B5EF4-FFF2-40B4-BE49-F238E27FC236}">
-                <a16:creationId xmlns:a16="http://schemas.microsoft.com/office/drawing/2014/main" id="{A656ABD6-DF51-4D34-B9DF-199B0A7F027C}"/>
+          <p:cNvPr id="2" name="Picture 1">
+            <a:extLst>
+              <a:ext uri="{FF2B5EF4-FFF2-40B4-BE49-F238E27FC236}">
+                <a16:creationId xmlns:a16="http://schemas.microsoft.com/office/drawing/2014/main" id="{EF124FC1-8D29-4E81-A1DF-14F537571BE8}"/>
               </a:ext>
             </a:extLst>
           </p:cNvPr>
@@ -5601,16 +5617,15 @@
           </p:cNvPicPr>
           <p:nvPr/>
         </p:nvPicPr>
-        <p:blipFill>
+        <p:blipFill rotWithShape="1">
           <a:blip r:embed="rId2"/>
-          <a:stretch>
-            <a:fillRect/>
-          </a:stretch>
+          <a:srcRect l="338" t="2087" r="60507" b="-2087"/>
+          <a:stretch/>
         </p:blipFill>
         <p:spPr>
           <a:xfrm>
-            <a:off x="0" y="917871"/>
-            <a:ext cx="5457646" cy="5395451"/>
+            <a:off x="0" y="404081"/>
+            <a:ext cx="2942200" cy="6583237"/>
           </a:xfrm>
           <a:prstGeom prst="rect">
             <a:avLst/>
@@ -5619,10 +5634,10 @@
       </p:pic>
       <p:pic>
         <p:nvPicPr>
-          <p:cNvPr id="7" name="Picture 6">
-            <a:extLst>
-              <a:ext uri="{FF2B5EF4-FFF2-40B4-BE49-F238E27FC236}">
-                <a16:creationId xmlns:a16="http://schemas.microsoft.com/office/drawing/2014/main" id="{8D85E28A-A733-4032-85E9-9CD42D5F1C0D}"/>
+          <p:cNvPr id="6" name="Picture 5">
+            <a:extLst>
+              <a:ext uri="{FF2B5EF4-FFF2-40B4-BE49-F238E27FC236}">
+                <a16:creationId xmlns:a16="http://schemas.microsoft.com/office/drawing/2014/main" id="{6BEEF9AF-F8A0-4350-A408-AB98DE08D1D5}"/>
               </a:ext>
             </a:extLst>
           </p:cNvPr>
@@ -5631,16 +5646,102 @@
           </p:cNvPicPr>
           <p:nvPr/>
         </p:nvPicPr>
-        <p:blipFill>
-          <a:blip r:embed="rId3"/>
-          <a:stretch>
-            <a:fillRect/>
-          </a:stretch>
+        <p:blipFill rotWithShape="1">
+          <a:blip r:embed="rId2"/>
+          <a:srcRect l="53690" t="1964" r="-14083" b="-1964"/>
+          <a:stretch/>
         </p:blipFill>
         <p:spPr>
           <a:xfrm>
-            <a:off x="5040787" y="1023761"/>
-            <a:ext cx="7151213" cy="5289561"/>
+            <a:off x="2722100" y="404081"/>
+            <a:ext cx="4538100" cy="6583237"/>
+          </a:xfrm>
+          <a:prstGeom prst="rect">
+            <a:avLst/>
+          </a:prstGeom>
+        </p:spPr>
+      </p:pic>
+      <p:pic>
+        <p:nvPicPr>
+          <p:cNvPr id="5" name="Picture 4">
+            <a:extLst>
+              <a:ext uri="{FF2B5EF4-FFF2-40B4-BE49-F238E27FC236}">
+                <a16:creationId xmlns:a16="http://schemas.microsoft.com/office/drawing/2014/main" id="{DED4499E-55E3-4D0A-8322-6447083A8C23}"/>
+              </a:ext>
+            </a:extLst>
+          </p:cNvPr>
+          <p:cNvPicPr>
+            <a:picLocks noChangeAspect="1"/>
+          </p:cNvPicPr>
+          <p:nvPr/>
+        </p:nvPicPr>
+        <p:blipFill rotWithShape="1">
+          <a:blip r:embed="rId3"/>
+          <a:srcRect r="53612"/>
+          <a:stretch/>
+        </p:blipFill>
+        <p:spPr>
+          <a:xfrm>
+            <a:off x="5664300" y="819190"/>
+            <a:ext cx="3238400" cy="5753018"/>
+          </a:xfrm>
+          <a:prstGeom prst="rect">
+            <a:avLst/>
+          </a:prstGeom>
+        </p:spPr>
+      </p:pic>
+      <p:pic>
+        <p:nvPicPr>
+          <p:cNvPr id="8" name="Picture 7">
+            <a:extLst>
+              <a:ext uri="{FF2B5EF4-FFF2-40B4-BE49-F238E27FC236}">
+                <a16:creationId xmlns:a16="http://schemas.microsoft.com/office/drawing/2014/main" id="{8AF5E4BA-DDD5-451C-B09E-3290A4560514}"/>
+              </a:ext>
+            </a:extLst>
+          </p:cNvPr>
+          <p:cNvPicPr>
+            <a:picLocks noChangeAspect="1"/>
+          </p:cNvPicPr>
+          <p:nvPr/>
+        </p:nvPicPr>
+        <p:blipFill rotWithShape="1">
+          <a:blip r:embed="rId3"/>
+          <a:srcRect r="53612"/>
+          <a:stretch/>
+        </p:blipFill>
+        <p:spPr>
+          <a:xfrm>
+            <a:off x="5641000" y="777101"/>
+            <a:ext cx="3238400" cy="5753018"/>
+          </a:xfrm>
+          <a:prstGeom prst="rect">
+            <a:avLst/>
+          </a:prstGeom>
+        </p:spPr>
+      </p:pic>
+      <p:pic>
+        <p:nvPicPr>
+          <p:cNvPr id="9" name="Picture 8">
+            <a:extLst>
+              <a:ext uri="{FF2B5EF4-FFF2-40B4-BE49-F238E27FC236}">
+                <a16:creationId xmlns:a16="http://schemas.microsoft.com/office/drawing/2014/main" id="{404DC9BF-2272-469A-919E-897CDC7D209B}"/>
+              </a:ext>
+            </a:extLst>
+          </p:cNvPr>
+          <p:cNvPicPr>
+            <a:picLocks noChangeAspect="1"/>
+          </p:cNvPicPr>
+          <p:nvPr/>
+        </p:nvPicPr>
+        <p:blipFill rotWithShape="1">
+          <a:blip r:embed="rId3"/>
+          <a:srcRect l="53666" r="-54"/>
+          <a:stretch/>
+        </p:blipFill>
+        <p:spPr>
+          <a:xfrm>
+            <a:off x="8953600" y="777101"/>
+            <a:ext cx="3238400" cy="5753018"/>
           </a:xfrm>
           <a:prstGeom prst="rect">
             <a:avLst/>
@@ -5687,10 +5788,10 @@
       </p:grpSpPr>
       <p:pic>
         <p:nvPicPr>
-          <p:cNvPr id="4" name="Picture 3">
-            <a:extLst>
-              <a:ext uri="{FF2B5EF4-FFF2-40B4-BE49-F238E27FC236}">
-                <a16:creationId xmlns:a16="http://schemas.microsoft.com/office/drawing/2014/main" id="{15D8E04D-2A5A-4A56-8560-1D46B3F918C8}"/>
+          <p:cNvPr id="3" name="Picture 2">
+            <a:extLst>
+              <a:ext uri="{FF2B5EF4-FFF2-40B4-BE49-F238E27FC236}">
+                <a16:creationId xmlns:a16="http://schemas.microsoft.com/office/drawing/2014/main" id="{3647882E-8F97-45E6-9A64-7BC4BDB65936}"/>
               </a:ext>
             </a:extLst>
           </p:cNvPr>
@@ -5707,8 +5808,8 @@
         </p:blipFill>
         <p:spPr>
           <a:xfrm>
-            <a:off x="-129730" y="54633"/>
-            <a:ext cx="12451461" cy="6748733"/>
+            <a:off x="287665" y="487116"/>
+            <a:ext cx="11616670" cy="5883768"/>
           </a:xfrm>
           <a:prstGeom prst="rect">
             <a:avLst/>
@@ -5755,10 +5856,10 @@
       </p:grpSpPr>
       <p:pic>
         <p:nvPicPr>
-          <p:cNvPr id="4" name="Picture 3">
-            <a:extLst>
-              <a:ext uri="{FF2B5EF4-FFF2-40B4-BE49-F238E27FC236}">
-                <a16:creationId xmlns:a16="http://schemas.microsoft.com/office/drawing/2014/main" id="{A01DE3F7-D85A-4723-B542-7F51E0A3E556}"/>
+          <p:cNvPr id="2" name="Picture 1">
+            <a:extLst>
+              <a:ext uri="{FF2B5EF4-FFF2-40B4-BE49-F238E27FC236}">
+                <a16:creationId xmlns:a16="http://schemas.microsoft.com/office/drawing/2014/main" id="{5DCFD9E4-0736-481B-BD15-D215DACB0B11}"/>
               </a:ext>
             </a:extLst>
           </p:cNvPr>
@@ -5775,8 +5876,8 @@
         </p:blipFill>
         <p:spPr>
           <a:xfrm>
-            <a:off x="752148" y="677441"/>
-            <a:ext cx="3565920" cy="5502655"/>
+            <a:off x="206937" y="0"/>
+            <a:ext cx="8145925" cy="6674671"/>
           </a:xfrm>
           <a:prstGeom prst="rect">
             <a:avLst/>
@@ -5785,10 +5886,10 @@
       </p:pic>
       <p:pic>
         <p:nvPicPr>
-          <p:cNvPr id="5" name="Picture 4">
-            <a:extLst>
-              <a:ext uri="{FF2B5EF4-FFF2-40B4-BE49-F238E27FC236}">
-                <a16:creationId xmlns:a16="http://schemas.microsoft.com/office/drawing/2014/main" id="{F31712FF-2F2C-412B-BE8F-60D66ABB439D}"/>
+          <p:cNvPr id="3" name="Picture 2">
+            <a:extLst>
+              <a:ext uri="{FF2B5EF4-FFF2-40B4-BE49-F238E27FC236}">
+                <a16:creationId xmlns:a16="http://schemas.microsoft.com/office/drawing/2014/main" id="{D683475E-6CA3-4549-9049-68ED147B590D}"/>
               </a:ext>
             </a:extLst>
           </p:cNvPr>
@@ -5805,8 +5906,8 @@
         </p:blipFill>
         <p:spPr>
           <a:xfrm>
-            <a:off x="4850569" y="311706"/>
-            <a:ext cx="6589283" cy="6234126"/>
+            <a:off x="8658000" y="0"/>
+            <a:ext cx="2615822" cy="6858000"/>
           </a:xfrm>
           <a:prstGeom prst="rect">
             <a:avLst/>
@@ -5853,10 +5954,10 @@
       </p:grpSpPr>
       <p:pic>
         <p:nvPicPr>
-          <p:cNvPr id="4" name="Picture 3">
-            <a:extLst>
-              <a:ext uri="{FF2B5EF4-FFF2-40B4-BE49-F238E27FC236}">
-                <a16:creationId xmlns:a16="http://schemas.microsoft.com/office/drawing/2014/main" id="{0BCC841C-EEF8-413D-AC54-4ED2FA715B3C}"/>
+          <p:cNvPr id="2" name="Picture 1">
+            <a:extLst>
+              <a:ext uri="{FF2B5EF4-FFF2-40B4-BE49-F238E27FC236}">
+                <a16:creationId xmlns:a16="http://schemas.microsoft.com/office/drawing/2014/main" id="{D5DA3DC4-A1AB-404E-BB58-18AD4078764F}"/>
               </a:ext>
             </a:extLst>
           </p:cNvPr>
@@ -5873,8 +5974,8 @@
         </p:blipFill>
         <p:spPr>
           <a:xfrm>
-            <a:off x="1046358" y="773262"/>
-            <a:ext cx="10099284" cy="5311475"/>
+            <a:off x="655686" y="561302"/>
+            <a:ext cx="10880628" cy="5735396"/>
           </a:xfrm>
           <a:prstGeom prst="rect">
             <a:avLst/>
